--- a/46 - Heavenly Father, We Adore Thee.pptx
+++ b/46 - Heavenly Father, We Adore Thee.pptx
@@ -243,7 +243,7 @@
           <a:p>
             <a:fld id="{32F7251A-AE54-443C-B8FE-5F636E835EBF}" type="datetimeFigureOut">
               <a:rPr lang="en-US" smtClean="0"/>
-              <a:t>9/30/2018</a:t>
+              <a:t>3/20/2020</a:t>
             </a:fld>
             <a:endParaRPr lang="en-US"/>
           </a:p>
@@ -411,7 +411,7 @@
           <a:p>
             <a:fld id="{32F7251A-AE54-443C-B8FE-5F636E835EBF}" type="datetimeFigureOut">
               <a:rPr lang="en-US" smtClean="0"/>
-              <a:t>9/30/2018</a:t>
+              <a:t>3/20/2020</a:t>
             </a:fld>
             <a:endParaRPr lang="en-US"/>
           </a:p>
@@ -589,7 +589,7 @@
           <a:p>
             <a:fld id="{32F7251A-AE54-443C-B8FE-5F636E835EBF}" type="datetimeFigureOut">
               <a:rPr lang="en-US" smtClean="0"/>
-              <a:t>9/30/2018</a:t>
+              <a:t>3/20/2020</a:t>
             </a:fld>
             <a:endParaRPr lang="en-US"/>
           </a:p>
@@ -757,7 +757,7 @@
           <a:p>
             <a:fld id="{32F7251A-AE54-443C-B8FE-5F636E835EBF}" type="datetimeFigureOut">
               <a:rPr lang="en-US" smtClean="0"/>
-              <a:t>9/30/2018</a:t>
+              <a:t>3/20/2020</a:t>
             </a:fld>
             <a:endParaRPr lang="en-US"/>
           </a:p>
@@ -1002,7 +1002,7 @@
           <a:p>
             <a:fld id="{32F7251A-AE54-443C-B8FE-5F636E835EBF}" type="datetimeFigureOut">
               <a:rPr lang="en-US" smtClean="0"/>
-              <a:t>9/30/2018</a:t>
+              <a:t>3/20/2020</a:t>
             </a:fld>
             <a:endParaRPr lang="en-US"/>
           </a:p>
@@ -1231,7 +1231,7 @@
           <a:p>
             <a:fld id="{32F7251A-AE54-443C-B8FE-5F636E835EBF}" type="datetimeFigureOut">
               <a:rPr lang="en-US" smtClean="0"/>
-              <a:t>9/30/2018</a:t>
+              <a:t>3/20/2020</a:t>
             </a:fld>
             <a:endParaRPr lang="en-US"/>
           </a:p>
@@ -1595,7 +1595,7 @@
           <a:p>
             <a:fld id="{32F7251A-AE54-443C-B8FE-5F636E835EBF}" type="datetimeFigureOut">
               <a:rPr lang="en-US" smtClean="0"/>
-              <a:t>9/30/2018</a:t>
+              <a:t>3/20/2020</a:t>
             </a:fld>
             <a:endParaRPr lang="en-US"/>
           </a:p>
@@ -1712,7 +1712,7 @@
           <a:p>
             <a:fld id="{32F7251A-AE54-443C-B8FE-5F636E835EBF}" type="datetimeFigureOut">
               <a:rPr lang="en-US" smtClean="0"/>
-              <a:t>9/30/2018</a:t>
+              <a:t>3/20/2020</a:t>
             </a:fld>
             <a:endParaRPr lang="en-US"/>
           </a:p>
@@ -1807,7 +1807,7 @@
           <a:p>
             <a:fld id="{32F7251A-AE54-443C-B8FE-5F636E835EBF}" type="datetimeFigureOut">
               <a:rPr lang="en-US" smtClean="0"/>
-              <a:t>9/30/2018</a:t>
+              <a:t>3/20/2020</a:t>
             </a:fld>
             <a:endParaRPr lang="en-US"/>
           </a:p>
@@ -2082,7 +2082,7 @@
           <a:p>
             <a:fld id="{32F7251A-AE54-443C-B8FE-5F636E835EBF}" type="datetimeFigureOut">
               <a:rPr lang="en-US" smtClean="0"/>
-              <a:t>9/30/2018</a:t>
+              <a:t>3/20/2020</a:t>
             </a:fld>
             <a:endParaRPr lang="en-US"/>
           </a:p>
@@ -2334,7 +2334,7 @@
           <a:p>
             <a:fld id="{32F7251A-AE54-443C-B8FE-5F636E835EBF}" type="datetimeFigureOut">
               <a:rPr lang="en-US" smtClean="0"/>
-              <a:t>9/30/2018</a:t>
+              <a:t>3/20/2020</a:t>
             </a:fld>
             <a:endParaRPr lang="en-US"/>
           </a:p>
@@ -2401,7 +2401,9 @@
     <p:bg>
       <p:bgPr>
         <a:solidFill>
-          <a:srgbClr val="333333"/>
+          <a:schemeClr val="bg1">
+            <a:lumMod val="10000"/>
+          </a:schemeClr>
         </a:solidFill>
         <a:effectLst/>
       </p:bgPr>
@@ -2548,7 +2550,7 @@
           <a:p>
             <a:fld id="{32F7251A-AE54-443C-B8FE-5F636E835EBF}" type="datetimeFigureOut">
               <a:rPr lang="en-US" smtClean="0"/>
-              <a:t>9/30/2018</a:t>
+              <a:t>3/20/2020</a:t>
             </a:fld>
             <a:endParaRPr lang="en-US"/>
           </a:p>
@@ -3018,8 +3020,8 @@
         </p:nvSpPr>
         <p:spPr>
           <a:xfrm>
-            <a:off x="0" y="5804209"/>
-            <a:ext cx="12192000" cy="830997"/>
+            <a:off x="0" y="5927320"/>
+            <a:ext cx="12192000" cy="584775"/>
           </a:xfrm>
           <a:prstGeom prst="rect">
             <a:avLst/>
@@ -3034,10 +3036,12 @@
           <a:p>
             <a:pPr algn="ctr"/>
             <a:r>
-              <a:rPr lang="en-US" sz="4800" dirty="0">
+              <a:rPr lang="en-US" sz="3200" u="sng" dirty="0">
                 <a:solidFill>
                   <a:schemeClr val="bg1"/>
                 </a:solidFill>
+                <a:latin typeface="Assistant SemiBold" panose="00000700000000000000" pitchFamily="2" charset="-79"/>
+                <a:cs typeface="Assistant SemiBold" panose="00000700000000000000" pitchFamily="2" charset="-79"/>
               </a:rPr>
               <a:t>“Heavenly Father, We Adore Thee”</a:t>
             </a:r>
@@ -3052,8 +3056,8 @@
         </p:nvSpPr>
         <p:spPr>
           <a:xfrm>
-            <a:off x="0" y="350630"/>
-            <a:ext cx="12192000" cy="5078313"/>
+            <a:off x="0" y="999411"/>
+            <a:ext cx="12192000" cy="2795866"/>
           </a:xfrm>
           <a:prstGeom prst="rect">
             <a:avLst/>
@@ -3064,100 +3068,68 @@
           <a:bodyPr wrap="square" rtlCol="0">
             <a:spAutoFit/>
           </a:bodyPr>
-          <a:lstStyle/>
-          <a:p>
-            <a:pPr algn="ctr"/>
-            <a:r>
-              <a:rPr lang="en-US" sz="3600" dirty="0">
+          <a:lstStyle>
+            <a:defPPr>
+              <a:defRPr lang="en-US"/>
+            </a:defPPr>
+            <a:lvl1pPr algn="ctr">
+              <a:defRPr sz="2800" spc="50">
                 <a:solidFill>
                   <a:schemeClr val="bg1"/>
                 </a:solidFill>
-              </a:rPr>
+                <a:latin typeface="Assistant" panose="00000500000000000000" pitchFamily="2" charset="-79"/>
+                <a:cs typeface="Assistant" panose="00000500000000000000" pitchFamily="2" charset="-79"/>
+              </a:defRPr>
+            </a:lvl1pPr>
+          </a:lstStyle>
+          <a:p>
+            <a:r>
+              <a:rPr lang="en-US" dirty="0"/>
               <a:t>Heavenly Father, we adore Thee!</a:t>
             </a:r>
           </a:p>
           <a:p>
-            <a:pPr algn="ctr"/>
-            <a:r>
-              <a:rPr lang="en-US" sz="3600" dirty="0">
-                <a:solidFill>
-                  <a:schemeClr val="bg1"/>
-                </a:solidFill>
-              </a:rPr>
+            <a:r>
+              <a:rPr lang="en-US" dirty="0"/>
               <a:t>At Thy feet, we humbly bow,</a:t>
             </a:r>
           </a:p>
           <a:p>
-            <a:pPr algn="ctr"/>
-            <a:r>
-              <a:rPr lang="en-US" sz="3600" dirty="0">
-                <a:solidFill>
-                  <a:schemeClr val="bg1"/>
-                </a:solidFill>
-              </a:rPr>
+            <a:r>
+              <a:rPr lang="en-US" dirty="0"/>
               <a:t>Met to worship, Lord, before Thee;</a:t>
             </a:r>
           </a:p>
           <a:p>
-            <a:pPr algn="ctr"/>
-            <a:r>
-              <a:rPr lang="en-US" sz="3600" dirty="0">
-                <a:solidFill>
-                  <a:schemeClr val="bg1"/>
-                </a:solidFill>
-              </a:rPr>
+            <a:r>
+              <a:rPr lang="en-US" dirty="0"/>
               <a:t>Grant us each a blessing now.</a:t>
             </a:r>
           </a:p>
           <a:p>
-            <a:pPr algn="ctr"/>
-            <a:endParaRPr lang="en-US" sz="3600" dirty="0">
-              <a:solidFill>
-                <a:schemeClr val="bg1"/>
-              </a:solidFill>
-            </a:endParaRPr>
-          </a:p>
-          <a:p>
-            <a:pPr algn="ctr"/>
-            <a:r>
-              <a:rPr lang="en-US" sz="3600" dirty="0">
-                <a:solidFill>
-                  <a:schemeClr val="bg1"/>
-                </a:solidFill>
-              </a:rPr>
+            <a:endParaRPr lang="en-US" dirty="0"/>
+          </a:p>
+          <a:p>
+            <a:r>
+              <a:rPr lang="en-US" dirty="0"/>
               <a:t>Thou art gracious, Lord; forgive us</a:t>
             </a:r>
           </a:p>
           <a:p>
-            <a:pPr algn="ctr"/>
-            <a:r>
-              <a:rPr lang="en-US" sz="3600" dirty="0">
-                <a:solidFill>
-                  <a:schemeClr val="bg1"/>
-                </a:solidFill>
-              </a:rPr>
+            <a:r>
+              <a:rPr lang="en-US" dirty="0"/>
               <a:t>Every wrong that we have done;</a:t>
             </a:r>
           </a:p>
           <a:p>
-            <a:pPr algn="ctr"/>
-            <a:r>
-              <a:rPr lang="en-US" sz="3600" dirty="0">
-                <a:solidFill>
-                  <a:schemeClr val="bg1"/>
-                </a:solidFill>
-              </a:rPr>
+            <a:r>
+              <a:rPr lang="en-US" dirty="0"/>
               <a:t>Let no spirit false deceive us;</a:t>
             </a:r>
           </a:p>
           <a:p>
-            <a:pPr algn="ctr"/>
-            <a:r>
-              <a:rPr lang="en-US" sz="3600" dirty="0">
-                <a:solidFill>
-                  <a:schemeClr val="bg1"/>
-                </a:solidFill>
-              </a:rPr>
+            <a:r>
+              <a:rPr lang="en-US" dirty="0"/>
               <a:t>Bid Thy spirit make us one.</a:t>
             </a:r>
           </a:p>
@@ -3258,8 +3230,8 @@
         </p:nvSpPr>
         <p:spPr>
           <a:xfrm>
-            <a:off x="0" y="5804209"/>
-            <a:ext cx="12192000" cy="830997"/>
+            <a:off x="0" y="5927320"/>
+            <a:ext cx="12192000" cy="584775"/>
           </a:xfrm>
           <a:prstGeom prst="rect">
             <a:avLst/>
@@ -3274,10 +3246,12 @@
           <a:p>
             <a:pPr algn="ctr"/>
             <a:r>
-              <a:rPr lang="en-US" sz="4800" dirty="0">
+              <a:rPr lang="en-US" sz="3200" u="sng" dirty="0">
                 <a:solidFill>
                   <a:schemeClr val="bg1"/>
                 </a:solidFill>
+                <a:latin typeface="Assistant SemiBold" panose="00000700000000000000" pitchFamily="2" charset="-79"/>
+                <a:cs typeface="Assistant SemiBold" panose="00000700000000000000" pitchFamily="2" charset="-79"/>
               </a:rPr>
               <a:t>“Heavenly Father, We Adore Thee”</a:t>
             </a:r>
@@ -3292,8 +3266,8 @@
         </p:nvSpPr>
         <p:spPr>
           <a:xfrm>
-            <a:off x="0" y="350630"/>
-            <a:ext cx="12192000" cy="5078313"/>
+            <a:off x="0" y="896888"/>
+            <a:ext cx="12192000" cy="3970318"/>
           </a:xfrm>
           <a:prstGeom prst="rect">
             <a:avLst/>
@@ -3308,26 +3282,32 @@
           <a:p>
             <a:pPr algn="ctr"/>
             <a:r>
-              <a:rPr lang="en-US" sz="3600" dirty="0">
+              <a:rPr lang="en-US" sz="2800" spc="50" dirty="0">
                 <a:solidFill>
                   <a:schemeClr val="bg1"/>
                 </a:solidFill>
+                <a:latin typeface="Assistant" panose="00000500000000000000" pitchFamily="2" charset="-79"/>
+                <a:cs typeface="Assistant" panose="00000500000000000000" pitchFamily="2" charset="-79"/>
               </a:rPr>
               <a:t>In the name of Christ, our </a:t>
             </a:r>
             <a:r>
-              <a:rPr lang="en-US" sz="3600" dirty="0" err="1">
+              <a:rPr lang="en-US" sz="2800" spc="50" dirty="0" err="1">
                 <a:solidFill>
                   <a:schemeClr val="bg1"/>
                 </a:solidFill>
+                <a:latin typeface="Assistant" panose="00000500000000000000" pitchFamily="2" charset="-79"/>
+                <a:cs typeface="Assistant" panose="00000500000000000000" pitchFamily="2" charset="-79"/>
               </a:rPr>
               <a:t>Saviour</a:t>
             </a:r>
             <a:r>
-              <a:rPr lang="en-US" sz="3600" dirty="0">
+              <a:rPr lang="en-US" sz="2800" spc="50" dirty="0">
                 <a:solidFill>
                   <a:schemeClr val="bg1"/>
                 </a:solidFill>
+                <a:latin typeface="Assistant" panose="00000500000000000000" pitchFamily="2" charset="-79"/>
+                <a:cs typeface="Assistant" panose="00000500000000000000" pitchFamily="2" charset="-79"/>
               </a:rPr>
               <a:t>,</a:t>
             </a:r>
@@ -3335,10 +3315,12 @@
           <a:p>
             <a:pPr algn="ctr"/>
             <a:r>
-              <a:rPr lang="en-US" sz="3600" dirty="0">
+              <a:rPr lang="en-US" sz="2800" spc="50" dirty="0">
                 <a:solidFill>
                   <a:schemeClr val="bg1"/>
                 </a:solidFill>
+                <a:latin typeface="Assistant" panose="00000500000000000000" pitchFamily="2" charset="-79"/>
+                <a:cs typeface="Assistant" panose="00000500000000000000" pitchFamily="2" charset="-79"/>
               </a:rPr>
               <a:t>Draw you minds from worldly care;</a:t>
             </a:r>
@@ -3346,10 +3328,12 @@
           <a:p>
             <a:pPr algn="ctr"/>
             <a:r>
-              <a:rPr lang="en-US" sz="3600" dirty="0">
+              <a:rPr lang="en-US" sz="2800" spc="50" dirty="0">
                 <a:solidFill>
                   <a:schemeClr val="bg1"/>
                 </a:solidFill>
+                <a:latin typeface="Assistant" panose="00000500000000000000" pitchFamily="2" charset="-79"/>
+                <a:cs typeface="Assistant" panose="00000500000000000000" pitchFamily="2" charset="-79"/>
               </a:rPr>
               <a:t>Grant us each Thy special favor,</a:t>
             </a:r>
@@ -3357,29 +3341,35 @@
           <a:p>
             <a:pPr algn="ctr"/>
             <a:r>
-              <a:rPr lang="en-US" sz="3600" dirty="0">
+              <a:rPr lang="en-US" sz="2800" spc="50" dirty="0">
                 <a:solidFill>
                   <a:schemeClr val="bg1"/>
                 </a:solidFill>
+                <a:latin typeface="Assistant" panose="00000500000000000000" pitchFamily="2" charset="-79"/>
+                <a:cs typeface="Assistant" panose="00000500000000000000" pitchFamily="2" charset="-79"/>
               </a:rPr>
               <a:t>Hear out earnest, fervent prayer.</a:t>
             </a:r>
           </a:p>
           <a:p>
             <a:pPr algn="ctr"/>
-            <a:endParaRPr lang="en-US" sz="3600" dirty="0">
+            <a:endParaRPr lang="en-US" sz="2800" spc="50" dirty="0">
               <a:solidFill>
                 <a:schemeClr val="bg1"/>
               </a:solidFill>
+              <a:latin typeface="Assistant" panose="00000500000000000000" pitchFamily="2" charset="-79"/>
+              <a:cs typeface="Assistant" panose="00000500000000000000" pitchFamily="2" charset="-79"/>
             </a:endParaRPr>
           </a:p>
           <a:p>
             <a:pPr algn="ctr"/>
             <a:r>
-              <a:rPr lang="en-US" sz="3600" dirty="0">
+              <a:rPr lang="en-US" sz="2800" spc="50" dirty="0">
                 <a:solidFill>
                   <a:schemeClr val="bg1"/>
                 </a:solidFill>
+                <a:latin typeface="Assistant" panose="00000500000000000000" pitchFamily="2" charset="-79"/>
+                <a:cs typeface="Assistant" panose="00000500000000000000" pitchFamily="2" charset="-79"/>
               </a:rPr>
               <a:t>Few in number, yet delighting</a:t>
             </a:r>
@@ -3387,10 +3377,12 @@
           <a:p>
             <a:pPr algn="ctr"/>
             <a:r>
-              <a:rPr lang="en-US" sz="3600" dirty="0">
+              <a:rPr lang="en-US" sz="2800" spc="50" dirty="0">
                 <a:solidFill>
                   <a:schemeClr val="bg1"/>
                 </a:solidFill>
+                <a:latin typeface="Assistant" panose="00000500000000000000" pitchFamily="2" charset="-79"/>
+                <a:cs typeface="Assistant" panose="00000500000000000000" pitchFamily="2" charset="-79"/>
               </a:rPr>
               <a:t>In the truth which makes us free—</a:t>
             </a:r>
@@ -3398,10 +3390,12 @@
           <a:p>
             <a:pPr algn="ctr"/>
             <a:r>
-              <a:rPr lang="en-US" sz="3600" dirty="0">
+              <a:rPr lang="en-US" sz="2800" spc="50" dirty="0">
                 <a:solidFill>
                   <a:schemeClr val="bg1"/>
                 </a:solidFill>
+                <a:latin typeface="Assistant" panose="00000500000000000000" pitchFamily="2" charset="-79"/>
+                <a:cs typeface="Assistant" panose="00000500000000000000" pitchFamily="2" charset="-79"/>
               </a:rPr>
               <a:t>May that truth, our hearts uniting,</a:t>
             </a:r>
@@ -3409,10 +3403,12 @@
           <a:p>
             <a:pPr algn="ctr"/>
             <a:r>
-              <a:rPr lang="en-US" sz="3600" dirty="0">
+              <a:rPr lang="en-US" sz="2800" spc="50" dirty="0">
                 <a:solidFill>
                   <a:schemeClr val="bg1"/>
                 </a:solidFill>
+                <a:latin typeface="Assistant" panose="00000500000000000000" pitchFamily="2" charset="-79"/>
+                <a:cs typeface="Assistant" panose="00000500000000000000" pitchFamily="2" charset="-79"/>
               </a:rPr>
               <a:t>Help us each to trust in Thee.</a:t>
             </a:r>
@@ -3514,8 +3510,8 @@
         </p:nvSpPr>
         <p:spPr>
           <a:xfrm>
-            <a:off x="0" y="5804209"/>
-            <a:ext cx="12192000" cy="830997"/>
+            <a:off x="0" y="5927320"/>
+            <a:ext cx="12192000" cy="584775"/>
           </a:xfrm>
           <a:prstGeom prst="rect">
             <a:avLst/>
@@ -3530,10 +3526,12 @@
           <a:p>
             <a:pPr algn="ctr"/>
             <a:r>
-              <a:rPr lang="en-US" sz="4800" dirty="0">
+              <a:rPr lang="en-US" sz="3200" u="sng" dirty="0">
                 <a:solidFill>
                   <a:schemeClr val="bg1"/>
                 </a:solidFill>
+                <a:latin typeface="Assistant SemiBold" panose="00000700000000000000" pitchFamily="2" charset="-79"/>
+                <a:cs typeface="Assistant SemiBold" panose="00000700000000000000" pitchFamily="2" charset="-79"/>
               </a:rPr>
               <a:t>“Heavenly Father, We Adore Thee”</a:t>
             </a:r>
@@ -3549,7 +3547,7 @@
         <p:spPr>
           <a:xfrm>
             <a:off x="0" y="1609589"/>
-            <a:ext cx="12192000" cy="2308324"/>
+            <a:ext cx="12192000" cy="1815882"/>
           </a:xfrm>
           <a:prstGeom prst="rect">
             <a:avLst/>
@@ -3564,59 +3562,51 @@
           <a:p>
             <a:pPr algn="ctr"/>
             <a:r>
-              <a:rPr lang="en-US" sz="3600" dirty="0">
+              <a:rPr lang="en-US" sz="2800" spc="50" dirty="0">
                 <a:solidFill>
                   <a:schemeClr val="bg1"/>
                 </a:solidFill>
+                <a:latin typeface="Assistant" panose="00000500000000000000" pitchFamily="2" charset="-79"/>
+                <a:cs typeface="Assistant" panose="00000500000000000000" pitchFamily="2" charset="-79"/>
               </a:rPr>
-              <a:t>Deign to </a:t>
-            </a:r>
-            <a:r>
-              <a:rPr lang="en-US" sz="3600">
+              <a:t>Deign to hear our invitation,</a:t>
+            </a:r>
+          </a:p>
+          <a:p>
+            <a:pPr algn="ctr"/>
+            <a:r>
+              <a:rPr lang="en-US" sz="2800" spc="50" dirty="0">
                 <a:solidFill>
                   <a:schemeClr val="bg1"/>
                 </a:solidFill>
+                <a:latin typeface="Assistant" panose="00000500000000000000" pitchFamily="2" charset="-79"/>
+                <a:cs typeface="Assistant" panose="00000500000000000000" pitchFamily="2" charset="-79"/>
               </a:rPr>
-              <a:t>hear our </a:t>
-            </a:r>
-            <a:r>
-              <a:rPr lang="en-US" sz="3600" dirty="0">
+              <a:t>“By Thy Spirit with us meet”;</a:t>
+            </a:r>
+          </a:p>
+          <a:p>
+            <a:pPr algn="ctr"/>
+            <a:r>
+              <a:rPr lang="en-US" sz="2800" spc="50" dirty="0">
                 <a:solidFill>
                   <a:schemeClr val="bg1"/>
                 </a:solidFill>
+                <a:latin typeface="Assistant" panose="00000500000000000000" pitchFamily="2" charset="-79"/>
+                <a:cs typeface="Assistant" panose="00000500000000000000" pitchFamily="2" charset="-79"/>
               </a:rPr>
-              <a:t>invitation,</a:t>
+              <a:t>Let the prayer of inspiration</a:t>
             </a:r>
           </a:p>
           <a:p>
             <a:pPr algn="ctr"/>
             <a:r>
-              <a:rPr lang="en-US" sz="3600" dirty="0">
+              <a:rPr lang="en-US" sz="2800" spc="50" dirty="0">
                 <a:solidFill>
                   <a:schemeClr val="bg1"/>
                 </a:solidFill>
-              </a:rPr>
-              <a:t>“By Thy Spirit with us meet”;</a:t>
-            </a:r>
-          </a:p>
-          <a:p>
-            <a:pPr algn="ctr"/>
-            <a:r>
-              <a:rPr lang="en-US" sz="3600" dirty="0">
-                <a:solidFill>
-                  <a:schemeClr val="bg1"/>
-                </a:solidFill>
-              </a:rPr>
-              <a:t>Let the prayer of inspiration</a:t>
-            </a:r>
-          </a:p>
-          <a:p>
-            <a:pPr algn="ctr"/>
-            <a:r>
-              <a:rPr lang="en-US" sz="3600" dirty="0">
-                <a:solidFill>
-                  <a:schemeClr val="bg1"/>
-                </a:solidFill>
+                <a:latin typeface="Assistant" panose="00000500000000000000" pitchFamily="2" charset="-79"/>
+                <a:cs typeface="Assistant" panose="00000500000000000000" pitchFamily="2" charset="-79"/>
               </a:rPr>
               <a:t>Be with all our wants replete.</a:t>
             </a:r>

--- a/46 - Heavenly Father, We Adore Thee.pptx
+++ b/46 - Heavenly Father, We Adore Thee.pptx
@@ -243,7 +243,7 @@
           <a:p>
             <a:fld id="{32F7251A-AE54-443C-B8FE-5F636E835EBF}" type="datetimeFigureOut">
               <a:rPr lang="en-US" smtClean="0"/>
-              <a:t>3/20/2020</a:t>
+              <a:t>10/11/2020</a:t>
             </a:fld>
             <a:endParaRPr lang="en-US"/>
           </a:p>
@@ -411,7 +411,7 @@
           <a:p>
             <a:fld id="{32F7251A-AE54-443C-B8FE-5F636E835EBF}" type="datetimeFigureOut">
               <a:rPr lang="en-US" smtClean="0"/>
-              <a:t>3/20/2020</a:t>
+              <a:t>10/11/2020</a:t>
             </a:fld>
             <a:endParaRPr lang="en-US"/>
           </a:p>
@@ -589,7 +589,7 @@
           <a:p>
             <a:fld id="{32F7251A-AE54-443C-B8FE-5F636E835EBF}" type="datetimeFigureOut">
               <a:rPr lang="en-US" smtClean="0"/>
-              <a:t>3/20/2020</a:t>
+              <a:t>10/11/2020</a:t>
             </a:fld>
             <a:endParaRPr lang="en-US"/>
           </a:p>
@@ -757,7 +757,7 @@
           <a:p>
             <a:fld id="{32F7251A-AE54-443C-B8FE-5F636E835EBF}" type="datetimeFigureOut">
               <a:rPr lang="en-US" smtClean="0"/>
-              <a:t>3/20/2020</a:t>
+              <a:t>10/11/2020</a:t>
             </a:fld>
             <a:endParaRPr lang="en-US"/>
           </a:p>
@@ -1002,7 +1002,7 @@
           <a:p>
             <a:fld id="{32F7251A-AE54-443C-B8FE-5F636E835EBF}" type="datetimeFigureOut">
               <a:rPr lang="en-US" smtClean="0"/>
-              <a:t>3/20/2020</a:t>
+              <a:t>10/11/2020</a:t>
             </a:fld>
             <a:endParaRPr lang="en-US"/>
           </a:p>
@@ -1231,7 +1231,7 @@
           <a:p>
             <a:fld id="{32F7251A-AE54-443C-B8FE-5F636E835EBF}" type="datetimeFigureOut">
               <a:rPr lang="en-US" smtClean="0"/>
-              <a:t>3/20/2020</a:t>
+              <a:t>10/11/2020</a:t>
             </a:fld>
             <a:endParaRPr lang="en-US"/>
           </a:p>
@@ -1595,7 +1595,7 @@
           <a:p>
             <a:fld id="{32F7251A-AE54-443C-B8FE-5F636E835EBF}" type="datetimeFigureOut">
               <a:rPr lang="en-US" smtClean="0"/>
-              <a:t>3/20/2020</a:t>
+              <a:t>10/11/2020</a:t>
             </a:fld>
             <a:endParaRPr lang="en-US"/>
           </a:p>
@@ -1712,7 +1712,7 @@
           <a:p>
             <a:fld id="{32F7251A-AE54-443C-B8FE-5F636E835EBF}" type="datetimeFigureOut">
               <a:rPr lang="en-US" smtClean="0"/>
-              <a:t>3/20/2020</a:t>
+              <a:t>10/11/2020</a:t>
             </a:fld>
             <a:endParaRPr lang="en-US"/>
           </a:p>
@@ -1807,7 +1807,7 @@
           <a:p>
             <a:fld id="{32F7251A-AE54-443C-B8FE-5F636E835EBF}" type="datetimeFigureOut">
               <a:rPr lang="en-US" smtClean="0"/>
-              <a:t>3/20/2020</a:t>
+              <a:t>10/11/2020</a:t>
             </a:fld>
             <a:endParaRPr lang="en-US"/>
           </a:p>
@@ -2082,7 +2082,7 @@
           <a:p>
             <a:fld id="{32F7251A-AE54-443C-B8FE-5F636E835EBF}" type="datetimeFigureOut">
               <a:rPr lang="en-US" smtClean="0"/>
-              <a:t>3/20/2020</a:t>
+              <a:t>10/11/2020</a:t>
             </a:fld>
             <a:endParaRPr lang="en-US"/>
           </a:p>
@@ -2334,7 +2334,7 @@
           <a:p>
             <a:fld id="{32F7251A-AE54-443C-B8FE-5F636E835EBF}" type="datetimeFigureOut">
               <a:rPr lang="en-US" smtClean="0"/>
-              <a:t>3/20/2020</a:t>
+              <a:t>10/11/2020</a:t>
             </a:fld>
             <a:endParaRPr lang="en-US"/>
           </a:p>
@@ -2550,7 +2550,7 @@
           <a:p>
             <a:fld id="{32F7251A-AE54-443C-B8FE-5F636E835EBF}" type="datetimeFigureOut">
               <a:rPr lang="en-US" smtClean="0"/>
-              <a:t>3/20/2020</a:t>
+              <a:t>10/11/2020</a:t>
             </a:fld>
             <a:endParaRPr lang="en-US"/>
           </a:p>
